--- a/CARDIOVASCULAR DISEASE PPT.pptx
+++ b/CARDIOVASCULAR DISEASE PPT.pptx
@@ -117,14 +117,6 @@
 </p:presentation>
 </file>
 
-<file path=ppt/revisionInfo.xml><?xml version="1.0" encoding="utf-8"?>
-<p1510:revInfo xmlns:a="http://schemas.openxmlformats.org/drawingml/2006/main" xmlns:r="http://schemas.openxmlformats.org/officeDocument/2006/relationships" xmlns:p1510="http://schemas.microsoft.com/office/powerpoint/2015/10/main">
-  <p1510:revLst>
-    <p1510:client id="{D5EDF81E-1ED5-400E-8A03-5BFE3C8665DC}" v="21" dt="2024-11-27T04:25:37.332"/>
-  </p1510:revLst>
-</p1510:revInfo>
-</file>
-
 <file path=ppt/changesInfos/changesInfo1.xml><?xml version="1.0" encoding="utf-8"?>
 <pc:chgInfo xmlns:a="http://schemas.openxmlformats.org/drawingml/2006/main" xmlns:r="http://schemas.openxmlformats.org/officeDocument/2006/relationships" xmlns:ac="http://schemas.microsoft.com/office/drawing/2013/main/command" xmlns:pc="http://schemas.microsoft.com/office/powerpoint/2013/main/command">
   <pc:docChgLst>
@@ -146,14 +138,6 @@
             <pc:docMk/>
             <pc:sldMk cId="653403510" sldId="256"/>
             <ac:picMk id="5" creationId="{4523DCEC-0341-29ED-F7EE-8ED5585DD059}"/>
-          </ac:picMkLst>
-        </pc:picChg>
-        <pc:picChg chg="del">
-          <ac:chgData name="Ethan Devey" userId="5f935918-78a9-4be5-bdf3-07d15d68beb4" providerId="ADAL" clId="{D5EDF81E-1ED5-400E-8A03-5BFE3C8665DC}" dt="2024-11-27T03:35:54.488" v="1078" actId="478"/>
-          <ac:picMkLst>
-            <pc:docMk/>
-            <pc:sldMk cId="653403510" sldId="256"/>
-            <ac:picMk id="16" creationId="{B75C9B72-28FF-C9B0-690E-77D2209F0806}"/>
           </ac:picMkLst>
         </pc:picChg>
       </pc:sldChg>
@@ -178,126 +162,6 @@
             <ac:spMk id="10" creationId="{242F471B-7012-CB7D-ACAB-60EA04811B4D}"/>
           </ac:spMkLst>
         </pc:spChg>
-        <pc:spChg chg="add del">
-          <ac:chgData name="Ethan Devey" userId="5f935918-78a9-4be5-bdf3-07d15d68beb4" providerId="ADAL" clId="{D5EDF81E-1ED5-400E-8A03-5BFE3C8665DC}" dt="2024-11-27T02:43:49.445" v="40" actId="26606"/>
-          <ac:spMkLst>
-            <pc:docMk/>
-            <pc:sldMk cId="2302109562" sldId="257"/>
-            <ac:spMk id="12" creationId="{799448F2-0E5B-42DA-B2D1-11A14E947BD4}"/>
-          </ac:spMkLst>
-        </pc:spChg>
-        <pc:spChg chg="add del">
-          <ac:chgData name="Ethan Devey" userId="5f935918-78a9-4be5-bdf3-07d15d68beb4" providerId="ADAL" clId="{D5EDF81E-1ED5-400E-8A03-5BFE3C8665DC}" dt="2024-11-27T02:43:49.445" v="40" actId="26606"/>
-          <ac:spMkLst>
-            <pc:docMk/>
-            <pc:sldMk cId="2302109562" sldId="257"/>
-            <ac:spMk id="14" creationId="{4E8A7552-20E1-4F34-ADAB-C1DB6634D47E}"/>
-          </ac:spMkLst>
-        </pc:spChg>
-        <pc:spChg chg="add del">
-          <ac:chgData name="Ethan Devey" userId="5f935918-78a9-4be5-bdf3-07d15d68beb4" providerId="ADAL" clId="{D5EDF81E-1ED5-400E-8A03-5BFE3C8665DC}" dt="2024-11-27T02:46:05.311" v="60" actId="26606"/>
-          <ac:spMkLst>
-            <pc:docMk/>
-            <pc:sldMk cId="2302109562" sldId="257"/>
-            <ac:spMk id="22" creationId="{C96C8BAF-68F3-4B78-B238-35DF5D86560D}"/>
-          </ac:spMkLst>
-        </pc:spChg>
-        <pc:spChg chg="add del">
-          <ac:chgData name="Ethan Devey" userId="5f935918-78a9-4be5-bdf3-07d15d68beb4" providerId="ADAL" clId="{D5EDF81E-1ED5-400E-8A03-5BFE3C8665DC}" dt="2024-11-27T02:45:52.055" v="57" actId="26606"/>
-          <ac:spMkLst>
-            <pc:docMk/>
-            <pc:sldMk cId="2302109562" sldId="257"/>
-            <ac:spMk id="39" creationId="{C96C8BAF-68F3-4B78-B238-35DF5D86560D}"/>
-          </ac:spMkLst>
-        </pc:spChg>
-        <pc:spChg chg="add del">
-          <ac:chgData name="Ethan Devey" userId="5f935918-78a9-4be5-bdf3-07d15d68beb4" providerId="ADAL" clId="{D5EDF81E-1ED5-400E-8A03-5BFE3C8665DC}" dt="2024-11-27T02:46:05.308" v="59" actId="26606"/>
-          <ac:spMkLst>
-            <pc:docMk/>
-            <pc:sldMk cId="2302109562" sldId="257"/>
-            <ac:spMk id="53" creationId="{56827C3C-D52F-46CE-A441-3CD6A1A6A0A2}"/>
-          </ac:spMkLst>
-        </pc:spChg>
-        <pc:spChg chg="add del">
-          <ac:chgData name="Ethan Devey" userId="5f935918-78a9-4be5-bdf3-07d15d68beb4" providerId="ADAL" clId="{D5EDF81E-1ED5-400E-8A03-5BFE3C8665DC}" dt="2024-11-27T02:46:05.308" v="59" actId="26606"/>
-          <ac:spMkLst>
-            <pc:docMk/>
-            <pc:sldMk cId="2302109562" sldId="257"/>
-            <ac:spMk id="54" creationId="{F52A8B51-0A89-497B-B882-6658E029A3F9}"/>
-          </ac:spMkLst>
-        </pc:spChg>
-        <pc:spChg chg="add del">
-          <ac:chgData name="Ethan Devey" userId="5f935918-78a9-4be5-bdf3-07d15d68beb4" providerId="ADAL" clId="{D5EDF81E-1ED5-400E-8A03-5BFE3C8665DC}" dt="2024-11-27T02:46:05.308" v="59" actId="26606"/>
-          <ac:spMkLst>
-            <pc:docMk/>
-            <pc:sldMk cId="2302109562" sldId="257"/>
-            <ac:spMk id="55" creationId="{EB1CEFBF-6F09-4052-862B-E219DA15757E}"/>
-          </ac:spMkLst>
-        </pc:spChg>
-        <pc:spChg chg="add del">
-          <ac:chgData name="Ethan Devey" userId="5f935918-78a9-4be5-bdf3-07d15d68beb4" providerId="ADAL" clId="{D5EDF81E-1ED5-400E-8A03-5BFE3C8665DC}" dt="2024-11-27T02:46:05.308" v="59" actId="26606"/>
-          <ac:spMkLst>
-            <pc:docMk/>
-            <pc:sldMk cId="2302109562" sldId="257"/>
-            <ac:spMk id="56" creationId="{BCB5D417-2A71-445D-B4C7-9E814D633D33}"/>
-          </ac:spMkLst>
-        </pc:spChg>
-        <pc:grpChg chg="add del">
-          <ac:chgData name="Ethan Devey" userId="5f935918-78a9-4be5-bdf3-07d15d68beb4" providerId="ADAL" clId="{D5EDF81E-1ED5-400E-8A03-5BFE3C8665DC}" dt="2024-11-27T02:46:05.311" v="60" actId="26606"/>
-          <ac:grpSpMkLst>
-            <pc:docMk/>
-            <pc:sldMk cId="2302109562" sldId="257"/>
-            <ac:grpSpMk id="24" creationId="{4F4CD6D0-5A87-4BA2-A13A-0E40511C3CFA}"/>
-          </ac:grpSpMkLst>
-        </pc:grpChg>
-        <pc:grpChg chg="add del">
-          <ac:chgData name="Ethan Devey" userId="5f935918-78a9-4be5-bdf3-07d15d68beb4" providerId="ADAL" clId="{D5EDF81E-1ED5-400E-8A03-5BFE3C8665DC}" dt="2024-11-27T02:46:05.311" v="60" actId="26606"/>
-          <ac:grpSpMkLst>
-            <pc:docMk/>
-            <pc:sldMk cId="2302109562" sldId="257"/>
-            <ac:grpSpMk id="28" creationId="{E9537076-EF48-4F72-9164-FD8260D550AC}"/>
-          </ac:grpSpMkLst>
-        </pc:grpChg>
-        <pc:grpChg chg="add del">
-          <ac:chgData name="Ethan Devey" userId="5f935918-78a9-4be5-bdf3-07d15d68beb4" providerId="ADAL" clId="{D5EDF81E-1ED5-400E-8A03-5BFE3C8665DC}" dt="2024-11-27T02:46:05.311" v="60" actId="26606"/>
-          <ac:grpSpMkLst>
-            <pc:docMk/>
-            <pc:sldMk cId="2302109562" sldId="257"/>
-            <ac:grpSpMk id="32" creationId="{6EFC3492-86BD-4D75-B5B4-C2DBFE0BD106}"/>
-          </ac:grpSpMkLst>
-        </pc:grpChg>
-        <pc:grpChg chg="add del">
-          <ac:chgData name="Ethan Devey" userId="5f935918-78a9-4be5-bdf3-07d15d68beb4" providerId="ADAL" clId="{D5EDF81E-1ED5-400E-8A03-5BFE3C8665DC}" dt="2024-11-27T02:45:52.055" v="57" actId="26606"/>
-          <ac:grpSpMkLst>
-            <pc:docMk/>
-            <pc:sldMk cId="2302109562" sldId="257"/>
-            <ac:grpSpMk id="41" creationId="{4F4CD6D0-5A87-4BA2-A13A-0E40511C3CFA}"/>
-          </ac:grpSpMkLst>
-        </pc:grpChg>
-        <pc:grpChg chg="add del">
-          <ac:chgData name="Ethan Devey" userId="5f935918-78a9-4be5-bdf3-07d15d68beb4" providerId="ADAL" clId="{D5EDF81E-1ED5-400E-8A03-5BFE3C8665DC}" dt="2024-11-27T02:45:52.055" v="57" actId="26606"/>
-          <ac:grpSpMkLst>
-            <pc:docMk/>
-            <pc:sldMk cId="2302109562" sldId="257"/>
-            <ac:grpSpMk id="45" creationId="{E9537076-EF48-4F72-9164-FD8260D550AC}"/>
-          </ac:grpSpMkLst>
-        </pc:grpChg>
-        <pc:grpChg chg="add del">
-          <ac:chgData name="Ethan Devey" userId="5f935918-78a9-4be5-bdf3-07d15d68beb4" providerId="ADAL" clId="{D5EDF81E-1ED5-400E-8A03-5BFE3C8665DC}" dt="2024-11-27T02:45:52.055" v="57" actId="26606"/>
-          <ac:grpSpMkLst>
-            <pc:docMk/>
-            <pc:sldMk cId="2302109562" sldId="257"/>
-            <ac:grpSpMk id="49" creationId="{6EFC3492-86BD-4D75-B5B4-C2DBFE0BD106}"/>
-          </ac:grpSpMkLst>
-        </pc:grpChg>
-        <pc:picChg chg="add del mod ord">
-          <ac:chgData name="Ethan Devey" userId="5f935918-78a9-4be5-bdf3-07d15d68beb4" providerId="ADAL" clId="{D5EDF81E-1ED5-400E-8A03-5BFE3C8665DC}" dt="2024-11-27T02:44:32.918" v="52" actId="478"/>
-          <ac:picMkLst>
-            <pc:docMk/>
-            <pc:sldMk cId="2302109562" sldId="257"/>
-            <ac:picMk id="3" creationId="{A6A2BB8A-63CD-70C2-844F-7DF1E8AF059B}"/>
-          </ac:picMkLst>
-        </pc:picChg>
         <pc:picChg chg="add mod ord">
           <ac:chgData name="Ethan Devey" userId="5f935918-78a9-4be5-bdf3-07d15d68beb4" providerId="ADAL" clId="{D5EDF81E-1ED5-400E-8A03-5BFE3C8665DC}" dt="2024-11-27T02:46:05.311" v="60" actId="26606"/>
           <ac:picMkLst>
@@ -330,22 +194,6 @@
             <ac:picMk id="13" creationId="{83CB8E09-9167-E32A-E640-1A6433ABD3AC}"/>
           </ac:picMkLst>
         </pc:picChg>
-        <pc:cxnChg chg="add del">
-          <ac:chgData name="Ethan Devey" userId="5f935918-78a9-4be5-bdf3-07d15d68beb4" providerId="ADAL" clId="{D5EDF81E-1ED5-400E-8A03-5BFE3C8665DC}" dt="2024-11-27T02:44:13.590" v="50" actId="26606"/>
-          <ac:cxnSpMkLst>
-            <pc:docMk/>
-            <pc:sldMk cId="2302109562" sldId="257"/>
-            <ac:cxnSpMk id="16" creationId="{D4BDCD00-BA97-40D8-93CD-0A9CA931BE17}"/>
-          </ac:cxnSpMkLst>
-        </pc:cxnChg>
-        <pc:cxnChg chg="add del">
-          <ac:chgData name="Ethan Devey" userId="5f935918-78a9-4be5-bdf3-07d15d68beb4" providerId="ADAL" clId="{D5EDF81E-1ED5-400E-8A03-5BFE3C8665DC}" dt="2024-11-27T02:44:13.590" v="50" actId="26606"/>
-          <ac:cxnSpMkLst>
-            <pc:docMk/>
-            <pc:sldMk cId="2302109562" sldId="257"/>
-            <ac:cxnSpMk id="17" creationId="{2D631E40-F51C-4828-B23B-DF903513296E}"/>
-          </ac:cxnSpMkLst>
-        </pc:cxnChg>
         <pc:cxnChg chg="add">
           <ac:chgData name="Ethan Devey" userId="5f935918-78a9-4be5-bdf3-07d15d68beb4" providerId="ADAL" clId="{D5EDF81E-1ED5-400E-8A03-5BFE3C8665DC}" dt="2024-11-27T02:46:05.311" v="60" actId="26606"/>
           <ac:cxnSpMkLst>
@@ -408,38 +256,6 @@
             <ac:grpSpMk id="5" creationId="{FD8FBE6D-5D6A-9A01-ACBC-2C67C7517A34}"/>
           </ac:grpSpMkLst>
         </pc:grpChg>
-        <pc:grpChg chg="add del mod">
-          <ac:chgData name="Ethan Devey" userId="5f935918-78a9-4be5-bdf3-07d15d68beb4" providerId="ADAL" clId="{D5EDF81E-1ED5-400E-8A03-5BFE3C8665DC}" dt="2024-11-27T03:03:16.160" v="766" actId="165"/>
-          <ac:grpSpMkLst>
-            <pc:docMk/>
-            <pc:sldMk cId="4135607588" sldId="258"/>
-            <ac:grpSpMk id="12" creationId="{40CA3943-5D16-5169-3F7E-79FE876414A4}"/>
-          </ac:grpSpMkLst>
-        </pc:grpChg>
-        <pc:grpChg chg="add del mod">
-          <ac:chgData name="Ethan Devey" userId="5f935918-78a9-4be5-bdf3-07d15d68beb4" providerId="ADAL" clId="{D5EDF81E-1ED5-400E-8A03-5BFE3C8665DC}" dt="2024-11-27T03:20:52.770" v="934" actId="478"/>
-          <ac:grpSpMkLst>
-            <pc:docMk/>
-            <pc:sldMk cId="4135607588" sldId="258"/>
-            <ac:grpSpMk id="13" creationId="{75083764-B339-D209-7714-CEBCE69BEA7F}"/>
-          </ac:grpSpMkLst>
-        </pc:grpChg>
-        <pc:grpChg chg="add del mod">
-          <ac:chgData name="Ethan Devey" userId="5f935918-78a9-4be5-bdf3-07d15d68beb4" providerId="ADAL" clId="{D5EDF81E-1ED5-400E-8A03-5BFE3C8665DC}" dt="2024-11-27T03:23:16.671" v="971" actId="478"/>
-          <ac:grpSpMkLst>
-            <pc:docMk/>
-            <pc:sldMk cId="4135607588" sldId="258"/>
-            <ac:grpSpMk id="16" creationId="{D0BB11A4-3156-D093-BE84-BA9B7F164732}"/>
-          </ac:grpSpMkLst>
-        </pc:grpChg>
-        <pc:grpChg chg="add del mod">
-          <ac:chgData name="Ethan Devey" userId="5f935918-78a9-4be5-bdf3-07d15d68beb4" providerId="ADAL" clId="{D5EDF81E-1ED5-400E-8A03-5BFE3C8665DC}" dt="2024-11-27T04:25:18.692" v="1100" actId="478"/>
-          <ac:grpSpMkLst>
-            <pc:docMk/>
-            <pc:sldMk cId="4135607588" sldId="258"/>
-            <ac:grpSpMk id="23" creationId="{629D1ADA-B796-84FE-DAC2-4DA2556425B3}"/>
-          </ac:grpSpMkLst>
-        </pc:grpChg>
         <pc:grpChg chg="add mod">
           <ac:chgData name="Ethan Devey" userId="5f935918-78a9-4be5-bdf3-07d15d68beb4" providerId="ADAL" clId="{D5EDF81E-1ED5-400E-8A03-5BFE3C8665DC}" dt="2024-11-27T03:22:52.725" v="965" actId="1076"/>
           <ac:grpSpMkLst>
@@ -472,46 +288,6 @@
             <ac:picMk id="4" creationId="{0C2628AC-0EFA-659C-DCF6-04BBB53AC1CA}"/>
           </ac:picMkLst>
         </pc:picChg>
-        <pc:picChg chg="add del mod topLvl">
-          <ac:chgData name="Ethan Devey" userId="5f935918-78a9-4be5-bdf3-07d15d68beb4" providerId="ADAL" clId="{D5EDF81E-1ED5-400E-8A03-5BFE3C8665DC}" dt="2024-11-27T03:23:16.671" v="971" actId="478"/>
-          <ac:picMkLst>
-            <pc:docMk/>
-            <pc:sldMk cId="4135607588" sldId="258"/>
-            <ac:picMk id="4" creationId="{31A126D5-C33A-44C8-B0B6-978AC65461F4}"/>
-          </ac:picMkLst>
-        </pc:picChg>
-        <pc:picChg chg="add del mod topLvl">
-          <ac:chgData name="Ethan Devey" userId="5f935918-78a9-4be5-bdf3-07d15d68beb4" providerId="ADAL" clId="{D5EDF81E-1ED5-400E-8A03-5BFE3C8665DC}" dt="2024-11-27T03:15:31.128" v="884" actId="478"/>
-          <ac:picMkLst>
-            <pc:docMk/>
-            <pc:sldMk cId="4135607588" sldId="258"/>
-            <ac:picMk id="6" creationId="{84582A99-94B9-E163-10F8-6BB6F7B82590}"/>
-          </ac:picMkLst>
-        </pc:picChg>
-        <pc:picChg chg="add del mod topLvl">
-          <ac:chgData name="Ethan Devey" userId="5f935918-78a9-4be5-bdf3-07d15d68beb4" providerId="ADAL" clId="{D5EDF81E-1ED5-400E-8A03-5BFE3C8665DC}" dt="2024-11-27T03:20:52.770" v="934" actId="478"/>
-          <ac:picMkLst>
-            <pc:docMk/>
-            <pc:sldMk cId="4135607588" sldId="258"/>
-            <ac:picMk id="8" creationId="{6E8F7F4B-E475-8916-796A-952723E25FB0}"/>
-          </ac:picMkLst>
-        </pc:picChg>
-        <pc:picChg chg="add del mod">
-          <ac:chgData name="Ethan Devey" userId="5f935918-78a9-4be5-bdf3-07d15d68beb4" providerId="ADAL" clId="{D5EDF81E-1ED5-400E-8A03-5BFE3C8665DC}" dt="2024-11-27T03:19:51.873" v="930" actId="478"/>
-          <ac:picMkLst>
-            <pc:docMk/>
-            <pc:sldMk cId="4135607588" sldId="258"/>
-            <ac:picMk id="10" creationId="{A0B491B5-7295-AF66-E9C7-6437A7C8DE54}"/>
-          </ac:picMkLst>
-        </pc:picChg>
-        <pc:picChg chg="add del mod">
-          <ac:chgData name="Ethan Devey" userId="5f935918-78a9-4be5-bdf3-07d15d68beb4" providerId="ADAL" clId="{D5EDF81E-1ED5-400E-8A03-5BFE3C8665DC}" dt="2024-11-27T03:14:10.882" v="879" actId="478"/>
-          <ac:picMkLst>
-            <pc:docMk/>
-            <pc:sldMk cId="4135607588" sldId="258"/>
-            <ac:picMk id="15" creationId="{B704196B-D41A-87FE-8CFD-5A5C2B54B6FB}"/>
-          </ac:picMkLst>
-        </pc:picChg>
         <pc:picChg chg="add mod">
           <ac:chgData name="Ethan Devey" userId="5f935918-78a9-4be5-bdf3-07d15d68beb4" providerId="ADAL" clId="{D5EDF81E-1ED5-400E-8A03-5BFE3C8665DC}" dt="2024-11-27T03:16:54.396" v="924" actId="14100"/>
           <ac:picMkLst>
@@ -526,22 +302,6 @@
             <pc:docMk/>
             <pc:sldMk cId="4135607588" sldId="258"/>
             <ac:picMk id="20" creationId="{59C5E3C5-0165-AAF7-2D72-DA5A3B7EECD3}"/>
-          </ac:picMkLst>
-        </pc:picChg>
-        <pc:picChg chg="add del mod">
-          <ac:chgData name="Ethan Devey" userId="5f935918-78a9-4be5-bdf3-07d15d68beb4" providerId="ADAL" clId="{D5EDF81E-1ED5-400E-8A03-5BFE3C8665DC}" dt="2024-11-27T04:25:18.692" v="1100" actId="478"/>
-          <ac:picMkLst>
-            <pc:docMk/>
-            <pc:sldMk cId="4135607588" sldId="258"/>
-            <ac:picMk id="22" creationId="{F83EC9A8-2550-3079-03BA-A58DA94187FB}"/>
-          </ac:picMkLst>
-        </pc:picChg>
-        <pc:picChg chg="add del">
-          <ac:chgData name="Ethan Devey" userId="5f935918-78a9-4be5-bdf3-07d15d68beb4" providerId="ADAL" clId="{D5EDF81E-1ED5-400E-8A03-5BFE3C8665DC}" dt="2024-11-27T03:16:20.741" v="891" actId="22"/>
-          <ac:picMkLst>
-            <pc:docMk/>
-            <pc:sldMk cId="4135607588" sldId="258"/>
-            <ac:picMk id="25" creationId="{70BEC83C-6D5C-153F-9AD7-1CD181848B80}"/>
           </ac:picMkLst>
         </pc:picChg>
         <pc:picChg chg="add mod">
@@ -583,102 +343,30 @@
           <pc:docMk/>
           <pc:sldMk cId="705990344" sldId="259"/>
         </pc:sldMkLst>
+      </pc:sldChg>
+    </pc:docChg>
+  </pc:docChgLst>
+  <pc:docChgLst>
+    <pc:chgData name="Ioana Platon" userId="18b0f7fbbefdf8fb" providerId="LiveId" clId="{6B6C7C21-72C1-4DCE-B4B2-96DAAA8015BD}"/>
+    <pc:docChg chg="modSld">
+      <pc:chgData name="Ioana Platon" userId="18b0f7fbbefdf8fb" providerId="LiveId" clId="{6B6C7C21-72C1-4DCE-B4B2-96DAAA8015BD}" dt="2024-12-03T02:49:17.920" v="4" actId="20577"/>
+      <pc:docMkLst>
+        <pc:docMk/>
+      </pc:docMkLst>
+      <pc:sldChg chg="modSp mod">
+        <pc:chgData name="Ioana Platon" userId="18b0f7fbbefdf8fb" providerId="LiveId" clId="{6B6C7C21-72C1-4DCE-B4B2-96DAAA8015BD}" dt="2024-12-03T02:49:17.920" v="4" actId="20577"/>
+        <pc:sldMkLst>
+          <pc:docMk/>
+          <pc:sldMk cId="653403510" sldId="256"/>
+        </pc:sldMkLst>
         <pc:spChg chg="mod">
-          <ac:chgData name="Ethan Devey" userId="5f935918-78a9-4be5-bdf3-07d15d68beb4" providerId="ADAL" clId="{D5EDF81E-1ED5-400E-8A03-5BFE3C8665DC}" dt="2024-11-27T02:43:06.800" v="30" actId="255"/>
+          <ac:chgData name="Ioana Platon" userId="18b0f7fbbefdf8fb" providerId="LiveId" clId="{6B6C7C21-72C1-4DCE-B4B2-96DAAA8015BD}" dt="2024-12-03T02:49:17.920" v="4" actId="20577"/>
           <ac:spMkLst>
             <pc:docMk/>
-            <pc:sldMk cId="705990344" sldId="259"/>
-            <ac:spMk id="2" creationId="{081D28B9-BD81-C329-9A9D-1AD17AEE108B}"/>
+            <pc:sldMk cId="653403510" sldId="256"/>
+            <ac:spMk id="3" creationId="{F99F89D9-1142-5864-A333-F81CF31C578E}"/>
           </ac:spMkLst>
         </pc:spChg>
-        <pc:spChg chg="del">
-          <ac:chgData name="Ethan Devey" userId="5f935918-78a9-4be5-bdf3-07d15d68beb4" providerId="ADAL" clId="{D5EDF81E-1ED5-400E-8A03-5BFE3C8665DC}" dt="2024-11-27T02:42:10.720" v="19"/>
-          <ac:spMkLst>
-            <pc:docMk/>
-            <pc:sldMk cId="705990344" sldId="259"/>
-            <ac:spMk id="3" creationId="{A61229A5-70D0-8FA5-8D75-96324D1214D9}"/>
-          </ac:spMkLst>
-        </pc:spChg>
-        <pc:spChg chg="add">
-          <ac:chgData name="Ethan Devey" userId="5f935918-78a9-4be5-bdf3-07d15d68beb4" providerId="ADAL" clId="{D5EDF81E-1ED5-400E-8A03-5BFE3C8665DC}" dt="2024-11-27T02:42:39.843" v="26" actId="26606"/>
-          <ac:spMkLst>
-            <pc:docMk/>
-            <pc:sldMk cId="705990344" sldId="259"/>
-            <ac:spMk id="20" creationId="{C63AB9E1-499E-41EB-A74E-905920CCDF67}"/>
-          </ac:spMkLst>
-        </pc:spChg>
-        <pc:picChg chg="add mod ord">
-          <ac:chgData name="Ethan Devey" userId="5f935918-78a9-4be5-bdf3-07d15d68beb4" providerId="ADAL" clId="{D5EDF81E-1ED5-400E-8A03-5BFE3C8665DC}" dt="2024-11-27T02:42:39.843" v="26" actId="26606"/>
-          <ac:picMkLst>
-            <pc:docMk/>
-            <pc:sldMk cId="705990344" sldId="259"/>
-            <ac:picMk id="5" creationId="{45EA1949-0489-0325-11D2-DDC0077B34DA}"/>
-          </ac:picMkLst>
-        </pc:picChg>
-        <pc:picChg chg="add mod">
-          <ac:chgData name="Ethan Devey" userId="5f935918-78a9-4be5-bdf3-07d15d68beb4" providerId="ADAL" clId="{D5EDF81E-1ED5-400E-8A03-5BFE3C8665DC}" dt="2024-11-27T02:43:09.181" v="31" actId="1076"/>
-          <ac:picMkLst>
-            <pc:docMk/>
-            <pc:sldMk cId="705990344" sldId="259"/>
-            <ac:picMk id="7" creationId="{9F41AD3B-77AE-58A7-9863-4C4FD5A07558}"/>
-          </ac:picMkLst>
-        </pc:picChg>
-        <pc:picChg chg="add mod">
-          <ac:chgData name="Ethan Devey" userId="5f935918-78a9-4be5-bdf3-07d15d68beb4" providerId="ADAL" clId="{D5EDF81E-1ED5-400E-8A03-5BFE3C8665DC}" dt="2024-11-27T02:42:39.843" v="26" actId="26606"/>
-          <ac:picMkLst>
-            <pc:docMk/>
-            <pc:sldMk cId="705990344" sldId="259"/>
-            <ac:picMk id="9" creationId="{2ABAA807-9606-4C38-9055-6EC15CFFA1CC}"/>
-          </ac:picMkLst>
-        </pc:picChg>
-        <pc:cxnChg chg="add">
-          <ac:chgData name="Ethan Devey" userId="5f935918-78a9-4be5-bdf3-07d15d68beb4" providerId="ADAL" clId="{D5EDF81E-1ED5-400E-8A03-5BFE3C8665DC}" dt="2024-11-27T02:42:39.843" v="26" actId="26606"/>
-          <ac:cxnSpMkLst>
-            <pc:docMk/>
-            <pc:sldMk cId="705990344" sldId="259"/>
-            <ac:cxnSpMk id="14" creationId="{A240FCEE-B6E2-46D0-9BB0-F45F79545E9D}"/>
-          </ac:cxnSpMkLst>
-        </pc:cxnChg>
-        <pc:cxnChg chg="add">
-          <ac:chgData name="Ethan Devey" userId="5f935918-78a9-4be5-bdf3-07d15d68beb4" providerId="ADAL" clId="{D5EDF81E-1ED5-400E-8A03-5BFE3C8665DC}" dt="2024-11-27T02:42:39.843" v="26" actId="26606"/>
-          <ac:cxnSpMkLst>
-            <pc:docMk/>
-            <pc:sldMk cId="705990344" sldId="259"/>
-            <ac:cxnSpMk id="16" creationId="{3BD2FB83-3783-4477-80B5-DA5BF10BAF57}"/>
-          </ac:cxnSpMkLst>
-        </pc:cxnChg>
-        <pc:cxnChg chg="add">
-          <ac:chgData name="Ethan Devey" userId="5f935918-78a9-4be5-bdf3-07d15d68beb4" providerId="ADAL" clId="{D5EDF81E-1ED5-400E-8A03-5BFE3C8665DC}" dt="2024-11-27T02:42:39.843" v="26" actId="26606"/>
-          <ac:cxnSpMkLst>
-            <pc:docMk/>
-            <pc:sldMk cId="705990344" sldId="259"/>
-            <ac:cxnSpMk id="18" creationId="{E83EA203-71D5-49C0-9626-FFA8E46787B0}"/>
-          </ac:cxnSpMkLst>
-        </pc:cxnChg>
-        <pc:cxnChg chg="add">
-          <ac:chgData name="Ethan Devey" userId="5f935918-78a9-4be5-bdf3-07d15d68beb4" providerId="ADAL" clId="{D5EDF81E-1ED5-400E-8A03-5BFE3C8665DC}" dt="2024-11-27T02:42:39.843" v="26" actId="26606"/>
-          <ac:cxnSpMkLst>
-            <pc:docMk/>
-            <pc:sldMk cId="705990344" sldId="259"/>
-            <ac:cxnSpMk id="22" creationId="{CEEA40C4-6B9E-4B9E-8CDF-A0C572462EAD}"/>
-          </ac:cxnSpMkLst>
-        </pc:cxnChg>
-        <pc:cxnChg chg="add">
-          <ac:chgData name="Ethan Devey" userId="5f935918-78a9-4be5-bdf3-07d15d68beb4" providerId="ADAL" clId="{D5EDF81E-1ED5-400E-8A03-5BFE3C8665DC}" dt="2024-11-27T02:42:39.843" v="26" actId="26606"/>
-          <ac:cxnSpMkLst>
-            <pc:docMk/>
-            <pc:sldMk cId="705990344" sldId="259"/>
-            <ac:cxnSpMk id="24" creationId="{179A2A06-A424-4BBD-A8A4-293F16F1BE2B}"/>
-          </ac:cxnSpMkLst>
-        </pc:cxnChg>
-        <pc:cxnChg chg="add">
-          <ac:chgData name="Ethan Devey" userId="5f935918-78a9-4be5-bdf3-07d15d68beb4" providerId="ADAL" clId="{D5EDF81E-1ED5-400E-8A03-5BFE3C8665DC}" dt="2024-11-27T02:42:39.843" v="26" actId="26606"/>
-          <ac:cxnSpMkLst>
-            <pc:docMk/>
-            <pc:sldMk cId="705990344" sldId="259"/>
-            <ac:cxnSpMk id="26" creationId="{AE458AAC-F667-498F-A263-A8C7AB4FC960}"/>
-          </ac:cxnSpMkLst>
-        </pc:cxnChg>
       </pc:sldChg>
     </pc:docChg>
   </pc:docChgLst>
@@ -767,7 +455,7 @@
           <a:p>
             <a:fld id="{42A13FCA-6DE5-440A-98E3-95AFDAC56FE7}" type="datetimeFigureOut">
               <a:rPr lang="en-US" smtClean="0"/>
-              <a:t>11/26/2024</a:t>
+              <a:t>12/2/2024</a:t>
             </a:fld>
             <a:endParaRPr lang="en-US"/>
           </a:p>
@@ -1504,7 +1192,7 @@
           <a:p>
             <a:fld id="{1C8322F6-1C60-46CF-968C-BC20E470F443}" type="datetimeFigureOut">
               <a:rPr lang="en-US" smtClean="0"/>
-              <a:t>11/26/2024</a:t>
+              <a:t>12/2/2024</a:t>
             </a:fld>
             <a:endParaRPr lang="en-US"/>
           </a:p>
@@ -1838,7 +1526,7 @@
           <a:p>
             <a:fld id="{1C8322F6-1C60-46CF-968C-BC20E470F443}" type="datetimeFigureOut">
               <a:rPr lang="en-US" smtClean="0"/>
-              <a:t>11/26/2024</a:t>
+              <a:t>12/2/2024</a:t>
             </a:fld>
             <a:endParaRPr lang="en-US"/>
           </a:p>
@@ -2091,7 +1779,7 @@
           <a:p>
             <a:fld id="{1C8322F6-1C60-46CF-968C-BC20E470F443}" type="datetimeFigureOut">
               <a:rPr lang="en-US" smtClean="0"/>
-              <a:t>11/26/2024</a:t>
+              <a:t>12/2/2024</a:t>
             </a:fld>
             <a:endParaRPr lang="en-US"/>
           </a:p>
@@ -2425,7 +2113,7 @@
           <a:p>
             <a:fld id="{1C8322F6-1C60-46CF-968C-BC20E470F443}" type="datetimeFigureOut">
               <a:rPr lang="en-US" smtClean="0"/>
-              <a:t>11/26/2024</a:t>
+              <a:t>12/2/2024</a:t>
             </a:fld>
             <a:endParaRPr lang="en-US"/>
           </a:p>
@@ -2706,7 +2394,7 @@
           <a:p>
             <a:fld id="{1C8322F6-1C60-46CF-968C-BC20E470F443}" type="datetimeFigureOut">
               <a:rPr lang="en-US" smtClean="0"/>
-              <a:t>11/26/2024</a:t>
+              <a:t>12/2/2024</a:t>
             </a:fld>
             <a:endParaRPr lang="en-US"/>
           </a:p>
@@ -3108,7 +2796,7 @@
           <a:p>
             <a:fld id="{1C8322F6-1C60-46CF-968C-BC20E470F443}" type="datetimeFigureOut">
               <a:rPr lang="en-US" smtClean="0"/>
-              <a:t>11/26/2024</a:t>
+              <a:t>12/2/2024</a:t>
             </a:fld>
             <a:endParaRPr lang="en-US"/>
           </a:p>
@@ -3569,7 +3257,7 @@
           <a:p>
             <a:fld id="{1C8322F6-1C60-46CF-968C-BC20E470F443}" type="datetimeFigureOut">
               <a:rPr lang="en-US" smtClean="0"/>
-              <a:t>11/26/2024</a:t>
+              <a:t>12/2/2024</a:t>
             </a:fld>
             <a:endParaRPr lang="en-US"/>
           </a:p>
@@ -3802,7 +3490,7 @@
           <a:p>
             <a:fld id="{1C8322F6-1C60-46CF-968C-BC20E470F443}" type="datetimeFigureOut">
               <a:rPr lang="en-US" smtClean="0"/>
-              <a:t>11/26/2024</a:t>
+              <a:t>12/2/2024</a:t>
             </a:fld>
             <a:endParaRPr lang="en-US"/>
           </a:p>
@@ -4001,7 +3689,7 @@
           <a:p>
             <a:fld id="{1C8322F6-1C60-46CF-968C-BC20E470F443}" type="datetimeFigureOut">
               <a:rPr lang="en-US" smtClean="0"/>
-              <a:t>11/26/2024</a:t>
+              <a:t>12/2/2024</a:t>
             </a:fld>
             <a:endParaRPr lang="en-US"/>
           </a:p>
@@ -4314,7 +4002,7 @@
           <a:p>
             <a:fld id="{1C8322F6-1C60-46CF-968C-BC20E470F443}" type="datetimeFigureOut">
               <a:rPr lang="en-US" smtClean="0"/>
-              <a:t>11/26/2024</a:t>
+              <a:t>12/2/2024</a:t>
             </a:fld>
             <a:endParaRPr lang="en-US"/>
           </a:p>
@@ -4778,7 +4466,7 @@
           <a:p>
             <a:fld id="{1C8322F6-1C60-46CF-968C-BC20E470F443}" type="datetimeFigureOut">
               <a:rPr lang="en-US" smtClean="0"/>
-              <a:t>11/26/2024</a:t>
+              <a:t>12/2/2024</a:t>
             </a:fld>
             <a:endParaRPr lang="en-US"/>
           </a:p>
@@ -5191,7 +4879,7 @@
           <a:p>
             <a:fld id="{1C8322F6-1C60-46CF-968C-BC20E470F443}" type="datetimeFigureOut">
               <a:rPr lang="en-US" smtClean="0"/>
-              <a:t>11/26/2024</a:t>
+              <a:t>12/2/2024</a:t>
             </a:fld>
             <a:endParaRPr lang="en-US"/>
           </a:p>
@@ -5936,7 +5624,7 @@
                   <a:srgbClr val="FFFFFF"/>
                 </a:solidFill>
               </a:rPr>
-              <a:t>Volcoun</a:t>
+              <a:t>VoKoun</a:t>
             </a:r>
             <a:endParaRPr lang="en-US" sz="1600" dirty="0">
               <a:solidFill>

--- a/CARDIOVASCULAR DISEASE PPT.pptx
+++ b/CARDIOVASCULAR DISEASE PPT.pptx
@@ -317,14 +317,6 @@
           <ac:picMkLst>
             <pc:docMk/>
             <pc:sldMk cId="4135607588" sldId="258"/>
-            <ac:picMk id="31" creationId="{4103CAF1-B45A-AFBD-DF21-71D95CB77C0E}"/>
-          </ac:picMkLst>
-        </pc:picChg>
-        <pc:picChg chg="add mod">
-          <ac:chgData name="Ethan Devey" userId="5f935918-78a9-4be5-bdf3-07d15d68beb4" providerId="ADAL" clId="{D5EDF81E-1ED5-400E-8A03-5BFE3C8665DC}" dt="2024-11-27T03:21:08.865" v="937" actId="164"/>
-          <ac:picMkLst>
-            <pc:docMk/>
-            <pc:sldMk cId="4135607588" sldId="258"/>
             <ac:picMk id="33" creationId="{FE64EFB0-8DF4-6FC1-F1CB-017BE5F9447B}"/>
           </ac:picMkLst>
         </pc:picChg>
@@ -348,8 +340,8 @@
   </pc:docChgLst>
   <pc:docChgLst>
     <pc:chgData name="Ioana Platon" userId="18b0f7fbbefdf8fb" providerId="LiveId" clId="{6B6C7C21-72C1-4DCE-B4B2-96DAAA8015BD}"/>
-    <pc:docChg chg="modSld">
-      <pc:chgData name="Ioana Platon" userId="18b0f7fbbefdf8fb" providerId="LiveId" clId="{6B6C7C21-72C1-4DCE-B4B2-96DAAA8015BD}" dt="2024-12-03T02:49:17.920" v="4" actId="20577"/>
+    <pc:docChg chg="undo custSel modSld">
+      <pc:chgData name="Ioana Platon" userId="18b0f7fbbefdf8fb" providerId="LiveId" clId="{6B6C7C21-72C1-4DCE-B4B2-96DAAA8015BD}" dt="2024-12-04T03:08:17.570" v="22" actId="14100"/>
       <pc:docMkLst>
         <pc:docMk/>
       </pc:docMkLst>
@@ -367,6 +359,37 @@
             <ac:spMk id="3" creationId="{F99F89D9-1142-5864-A333-F81CF31C578E}"/>
           </ac:spMkLst>
         </pc:spChg>
+      </pc:sldChg>
+      <pc:sldChg chg="addSp delSp modSp mod modNotesTx">
+        <pc:chgData name="Ioana Platon" userId="18b0f7fbbefdf8fb" providerId="LiveId" clId="{6B6C7C21-72C1-4DCE-B4B2-96DAAA8015BD}" dt="2024-12-04T03:08:17.570" v="22" actId="14100"/>
+        <pc:sldMkLst>
+          <pc:docMk/>
+          <pc:sldMk cId="4135607588" sldId="258"/>
+        </pc:sldMkLst>
+        <pc:spChg chg="mod">
+          <ac:chgData name="Ioana Platon" userId="18b0f7fbbefdf8fb" providerId="LiveId" clId="{6B6C7C21-72C1-4DCE-B4B2-96DAAA8015BD}" dt="2024-12-04T02:57:00.068" v="14" actId="20577"/>
+          <ac:spMkLst>
+            <pc:docMk/>
+            <pc:sldMk cId="4135607588" sldId="258"/>
+            <ac:spMk id="11" creationId="{A0603632-C6AA-ED46-0BF3-31027B0CEFDE}"/>
+          </ac:spMkLst>
+        </pc:spChg>
+        <pc:picChg chg="add mod">
+          <ac:chgData name="Ioana Platon" userId="18b0f7fbbefdf8fb" providerId="LiveId" clId="{6B6C7C21-72C1-4DCE-B4B2-96DAAA8015BD}" dt="2024-12-04T03:08:17.570" v="22" actId="14100"/>
+          <ac:picMkLst>
+            <pc:docMk/>
+            <pc:sldMk cId="4135607588" sldId="258"/>
+            <ac:picMk id="6" creationId="{9A603B3E-685A-F2E1-50A7-214CFE1FA767}"/>
+          </ac:picMkLst>
+        </pc:picChg>
+        <pc:picChg chg="del">
+          <ac:chgData name="Ioana Platon" userId="18b0f7fbbefdf8fb" providerId="LiveId" clId="{6B6C7C21-72C1-4DCE-B4B2-96DAAA8015BD}" dt="2024-12-04T03:05:12.363" v="16" actId="478"/>
+          <ac:picMkLst>
+            <pc:docMk/>
+            <pc:sldMk cId="4135607588" sldId="258"/>
+            <ac:picMk id="31" creationId="{4103CAF1-B45A-AFBD-DF21-71D95CB77C0E}"/>
+          </ac:picMkLst>
+        </pc:picChg>
       </pc:sldChg>
     </pc:docChg>
   </pc:docChgLst>
@@ -455,7 +478,7 @@
           <a:p>
             <a:fld id="{42A13FCA-6DE5-440A-98E3-95AFDAC56FE7}" type="datetimeFigureOut">
               <a:rPr lang="en-US" smtClean="0"/>
-              <a:t>12/2/2024</a:t>
+              <a:t>12/3/2024</a:t>
             </a:fld>
             <a:endParaRPr lang="en-US"/>
           </a:p>
@@ -859,6 +882,9 @@
             </a:r>
           </a:p>
           <a:p>
+            <a:endParaRPr lang="en-US" dirty="0"/>
+          </a:p>
+          <a:p>
             <a:pPr>
               <a:lnSpc>
                 <a:spcPts val="1425"/>
@@ -1192,7 +1218,7 @@
           <a:p>
             <a:fld id="{1C8322F6-1C60-46CF-968C-BC20E470F443}" type="datetimeFigureOut">
               <a:rPr lang="en-US" smtClean="0"/>
-              <a:t>12/2/2024</a:t>
+              <a:t>12/3/2024</a:t>
             </a:fld>
             <a:endParaRPr lang="en-US"/>
           </a:p>
@@ -1526,7 +1552,7 @@
           <a:p>
             <a:fld id="{1C8322F6-1C60-46CF-968C-BC20E470F443}" type="datetimeFigureOut">
               <a:rPr lang="en-US" smtClean="0"/>
-              <a:t>12/2/2024</a:t>
+              <a:t>12/3/2024</a:t>
             </a:fld>
             <a:endParaRPr lang="en-US"/>
           </a:p>
@@ -1779,7 +1805,7 @@
           <a:p>
             <a:fld id="{1C8322F6-1C60-46CF-968C-BC20E470F443}" type="datetimeFigureOut">
               <a:rPr lang="en-US" smtClean="0"/>
-              <a:t>12/2/2024</a:t>
+              <a:t>12/3/2024</a:t>
             </a:fld>
             <a:endParaRPr lang="en-US"/>
           </a:p>
@@ -2113,7 +2139,7 @@
           <a:p>
             <a:fld id="{1C8322F6-1C60-46CF-968C-BC20E470F443}" type="datetimeFigureOut">
               <a:rPr lang="en-US" smtClean="0"/>
-              <a:t>12/2/2024</a:t>
+              <a:t>12/3/2024</a:t>
             </a:fld>
             <a:endParaRPr lang="en-US"/>
           </a:p>
@@ -2394,7 +2420,7 @@
           <a:p>
             <a:fld id="{1C8322F6-1C60-46CF-968C-BC20E470F443}" type="datetimeFigureOut">
               <a:rPr lang="en-US" smtClean="0"/>
-              <a:t>12/2/2024</a:t>
+              <a:t>12/3/2024</a:t>
             </a:fld>
             <a:endParaRPr lang="en-US"/>
           </a:p>
@@ -2796,7 +2822,7 @@
           <a:p>
             <a:fld id="{1C8322F6-1C60-46CF-968C-BC20E470F443}" type="datetimeFigureOut">
               <a:rPr lang="en-US" smtClean="0"/>
-              <a:t>12/2/2024</a:t>
+              <a:t>12/3/2024</a:t>
             </a:fld>
             <a:endParaRPr lang="en-US"/>
           </a:p>
@@ -3257,7 +3283,7 @@
           <a:p>
             <a:fld id="{1C8322F6-1C60-46CF-968C-BC20E470F443}" type="datetimeFigureOut">
               <a:rPr lang="en-US" smtClean="0"/>
-              <a:t>12/2/2024</a:t>
+              <a:t>12/3/2024</a:t>
             </a:fld>
             <a:endParaRPr lang="en-US"/>
           </a:p>
@@ -3490,7 +3516,7 @@
           <a:p>
             <a:fld id="{1C8322F6-1C60-46CF-968C-BC20E470F443}" type="datetimeFigureOut">
               <a:rPr lang="en-US" smtClean="0"/>
-              <a:t>12/2/2024</a:t>
+              <a:t>12/3/2024</a:t>
             </a:fld>
             <a:endParaRPr lang="en-US"/>
           </a:p>
@@ -3689,7 +3715,7 @@
           <a:p>
             <a:fld id="{1C8322F6-1C60-46CF-968C-BC20E470F443}" type="datetimeFigureOut">
               <a:rPr lang="en-US" smtClean="0"/>
-              <a:t>12/2/2024</a:t>
+              <a:t>12/3/2024</a:t>
             </a:fld>
             <a:endParaRPr lang="en-US"/>
           </a:p>
@@ -4002,7 +4028,7 @@
           <a:p>
             <a:fld id="{1C8322F6-1C60-46CF-968C-BC20E470F443}" type="datetimeFigureOut">
               <a:rPr lang="en-US" smtClean="0"/>
-              <a:t>12/2/2024</a:t>
+              <a:t>12/3/2024</a:t>
             </a:fld>
             <a:endParaRPr lang="en-US"/>
           </a:p>
@@ -4466,7 +4492,7 @@
           <a:p>
             <a:fld id="{1C8322F6-1C60-46CF-968C-BC20E470F443}" type="datetimeFigureOut">
               <a:rPr lang="en-US" smtClean="0"/>
-              <a:t>12/2/2024</a:t>
+              <a:t>12/3/2024</a:t>
             </a:fld>
             <a:endParaRPr lang="en-US"/>
           </a:p>
@@ -4879,7 +4905,7 @@
           <a:p>
             <a:fld id="{1C8322F6-1C60-46CF-968C-BC20E470F443}" type="datetimeFigureOut">
               <a:rPr lang="en-US" smtClean="0"/>
-              <a:t>12/2/2024</a:t>
+              <a:t>12/3/2024</a:t>
             </a:fld>
             <a:endParaRPr lang="en-US"/>
           </a:p>
@@ -6349,10 +6375,10 @@
         </p:nvGrpSpPr>
         <p:grpSpPr>
           <a:xfrm>
-            <a:off x="8658728" y="563263"/>
-            <a:ext cx="3066725" cy="5735447"/>
-            <a:chOff x="4617591" y="519175"/>
-            <a:chExt cx="3066725" cy="5735447"/>
+            <a:off x="8658729" y="563263"/>
+            <a:ext cx="3066724" cy="5735447"/>
+            <a:chOff x="4617592" y="519175"/>
+            <a:chExt cx="3066724" cy="5735447"/>
           </a:xfrm>
         </p:grpSpPr>
         <p:sp>
@@ -6390,41 +6416,11 @@
                     <a:schemeClr val="bg1"/>
                   </a:solidFill>
                 </a:rPr>
-                <a:t>Linear Regression Model</a:t>
+                <a:t>Logistic Regression Model</a:t>
               </a:r>
             </a:p>
           </p:txBody>
         </p:sp>
-        <p:pic>
-          <p:nvPicPr>
-            <p:cNvPr id="31" name="Picture 30">
-              <a:extLst>
-                <a:ext uri="{FF2B5EF4-FFF2-40B4-BE49-F238E27FC236}">
-                  <a16:creationId xmlns:a16="http://schemas.microsoft.com/office/drawing/2014/main" id="{4103CAF1-B45A-AFBD-DF21-71D95CB77C0E}"/>
-                </a:ext>
-              </a:extLst>
-            </p:cNvPr>
-            <p:cNvPicPr>
-              <a:picLocks noChangeAspect="1"/>
-            </p:cNvPicPr>
-            <p:nvPr/>
-          </p:nvPicPr>
-          <p:blipFill>
-            <a:blip r:embed="rId6"/>
-            <a:stretch>
-              <a:fillRect/>
-            </a:stretch>
-          </p:blipFill>
-          <p:spPr>
-            <a:xfrm>
-              <a:off x="4617591" y="1304482"/>
-              <a:ext cx="3021297" cy="2931957"/>
-            </a:xfrm>
-            <a:prstGeom prst="rect">
-              <a:avLst/>
-            </a:prstGeom>
-          </p:spPr>
-        </p:pic>
         <p:pic>
           <p:nvPicPr>
             <p:cNvPr id="33" name="Picture 32">
@@ -6440,7 +6436,7 @@
             <p:nvPr/>
           </p:nvPicPr>
           <p:blipFill>
-            <a:blip r:embed="rId7"/>
+            <a:blip r:embed="rId6"/>
             <a:stretch>
               <a:fillRect/>
             </a:stretch>
@@ -6551,7 +6547,7 @@
               <p:nvPr/>
             </p:nvPicPr>
             <p:blipFill>
-              <a:blip r:embed="rId8"/>
+              <a:blip r:embed="rId7"/>
               <a:stretch>
                 <a:fillRect/>
               </a:stretch>
@@ -6582,7 +6578,7 @@
             <p:nvPr/>
           </p:nvPicPr>
           <p:blipFill>
-            <a:blip r:embed="rId9"/>
+            <a:blip r:embed="rId8"/>
             <a:stretch>
               <a:fillRect/>
             </a:stretch>
@@ -6598,6 +6594,36 @@
           </p:spPr>
         </p:pic>
       </p:grpSp>
+      <p:pic>
+        <p:nvPicPr>
+          <p:cNvPr id="6" name="Picture 5">
+            <a:extLst>
+              <a:ext uri="{FF2B5EF4-FFF2-40B4-BE49-F238E27FC236}">
+                <a16:creationId xmlns:a16="http://schemas.microsoft.com/office/drawing/2014/main" id="{9A603B3E-685A-F2E1-50A7-214CFE1FA767}"/>
+              </a:ext>
+            </a:extLst>
+          </p:cNvPr>
+          <p:cNvPicPr>
+            <a:picLocks noChangeAspect="1"/>
+          </p:cNvPicPr>
+          <p:nvPr/>
+        </p:nvPicPr>
+        <p:blipFill>
+          <a:blip r:embed="rId9"/>
+          <a:stretch>
+            <a:fillRect/>
+          </a:stretch>
+        </p:blipFill>
+        <p:spPr>
+          <a:xfrm>
+            <a:off x="8535723" y="1370367"/>
+            <a:ext cx="3311993" cy="2605201"/>
+          </a:xfrm>
+          <a:prstGeom prst="rect">
+            <a:avLst/>
+          </a:prstGeom>
+        </p:spPr>
+      </p:pic>
     </p:spTree>
     <p:extLst>
       <p:ext uri="{BB962C8B-B14F-4D97-AF65-F5344CB8AC3E}">

--- a/CARDIOVASCULAR DISEASE PPT.pptx
+++ b/CARDIOVASCULAR DISEASE PPT.pptx
@@ -341,7 +341,7 @@
   <pc:docChgLst>
     <pc:chgData name="Ioana Platon" userId="18b0f7fbbefdf8fb" providerId="LiveId" clId="{6B6C7C21-72C1-4DCE-B4B2-96DAAA8015BD}"/>
     <pc:docChg chg="undo custSel modSld">
-      <pc:chgData name="Ioana Platon" userId="18b0f7fbbefdf8fb" providerId="LiveId" clId="{6B6C7C21-72C1-4DCE-B4B2-96DAAA8015BD}" dt="2024-12-04T03:08:17.570" v="22" actId="14100"/>
+      <pc:chgData name="Ioana Platon" userId="18b0f7fbbefdf8fb" providerId="LiveId" clId="{6B6C7C21-72C1-4DCE-B4B2-96DAAA8015BD}" dt="2024-12-04T05:10:22.117" v="37" actId="20577"/>
       <pc:docMkLst>
         <pc:docMk/>
       </pc:docMkLst>
@@ -361,7 +361,7 @@
         </pc:spChg>
       </pc:sldChg>
       <pc:sldChg chg="addSp delSp modSp mod modNotesTx">
-        <pc:chgData name="Ioana Platon" userId="18b0f7fbbefdf8fb" providerId="LiveId" clId="{6B6C7C21-72C1-4DCE-B4B2-96DAAA8015BD}" dt="2024-12-04T03:08:17.570" v="22" actId="14100"/>
+        <pc:chgData name="Ioana Platon" userId="18b0f7fbbefdf8fb" providerId="LiveId" clId="{6B6C7C21-72C1-4DCE-B4B2-96DAAA8015BD}" dt="2024-12-04T05:10:22.117" v="37" actId="20577"/>
         <pc:sldMkLst>
           <pc:docMk/>
           <pc:sldMk cId="4135607588" sldId="258"/>
@@ -955,7 +955,7 @@
                 <a:effectLst/>
                 <a:latin typeface="Consolas" panose="020B0609020204030204" pitchFamily="49" charset="0"/>
               </a:rPr>
-              <a:t>We decided to add a linear regression model to our optimization. We split and trained the data similarly to previous models. We also created a confusion matrix and classification report. For heart disease, this model's results were 92% accuracy and 55% precision, which were still low but higher than the other two models.</a:t>
+              <a:t>We decided to add a logistic regression model to our optimization. We split and trained the data similarly to previous models. We also created a confusion matrix and classification report. For heart disease, this model's results were 92% accuracy and 55% precision, which were still low but higher than the other two models.</a:t>
             </a:r>
           </a:p>
           <a:p>
@@ -981,7 +981,27 @@
                 <a:effectLst/>
                 <a:latin typeface="Consolas" panose="020B0609020204030204" pitchFamily="49" charset="0"/>
               </a:rPr>
-              <a:t>We moved forward with the linear regression model as our prediction model since these were the highest results. We ran a quick test to see if our model would make a prediction, which it did. We then decided to create an online platform where individuals could input their health data to determine whether they were at risk for CDV. </a:t>
+              <a:t>We moved forward with the </a:t>
+            </a:r>
+            <a:r>
+              <a:rPr lang="en-US" b="0">
+                <a:solidFill>
+                  <a:srgbClr val="CCCCCC"/>
+                </a:solidFill>
+                <a:effectLst/>
+                <a:latin typeface="Consolas" panose="020B0609020204030204" pitchFamily="49" charset="0"/>
+              </a:rPr>
+              <a:t>logistc </a:t>
+            </a:r>
+            <a:r>
+              <a:rPr lang="en-US" b="0" dirty="0">
+                <a:solidFill>
+                  <a:srgbClr val="CCCCCC"/>
+                </a:solidFill>
+                <a:effectLst/>
+                <a:latin typeface="Consolas" panose="020B0609020204030204" pitchFamily="49" charset="0"/>
+              </a:rPr>
+              <a:t>regression model as our prediction model since these were the highest results. We ran a quick test to see if our model would make a prediction, which it did. We then decided to create an online platform where individuals could input their health data to determine whether they were at risk for CDV. </a:t>
             </a:r>
           </a:p>
           <a:p>
